--- a/-DOCUMENTATION-/extras/Kautský_PMP.pptx
+++ b/-DOCUMENTATION-/extras/Kautský_PMP.pptx
@@ -8543,6 +8543,14 @@
 <file path=ppt/slides/slide13.xml><?xml version="1.0" encoding="utf-8"?>
 <p:sld xmlns:a="http://schemas.openxmlformats.org/drawingml/2006/main" xmlns:r="http://schemas.openxmlformats.org/officeDocument/2006/relationships" xmlns:p="http://schemas.openxmlformats.org/presentationml/2006/main">
   <p:cSld>
+    <p:bg>
+      <p:bgPr>
+        <a:solidFill>
+          <a:schemeClr val="bg1"/>
+        </a:solidFill>
+        <a:effectLst/>
+      </p:bgPr>
+    </p:bg>
     <p:spTree>
       <p:nvGrpSpPr>
         <p:cNvPr id="1" name=""/>
@@ -8557,8 +8565,459 @@
           <a:chExt cx="0" cy="0"/>
         </a:xfrm>
       </p:grpSpPr>
+      <p:sp useBgFill="1">
+        <p:nvSpPr>
+          <p:cNvPr id="12" name="Rectangle 11">
+            <a:extLst>
+              <a:ext uri="{FF2B5EF4-FFF2-40B4-BE49-F238E27FC236}">
+                <a16:creationId xmlns:a16="http://schemas.microsoft.com/office/drawing/2014/main" id="{DEE2AD96-B495-4E06-9291-B71706F728CB}"/>
+              </a:ext>
+              <a:ext uri="{C183D7F6-B498-43B3-948B-1728B52AA6E4}">
+                <adec:decorative xmlns:adec="http://schemas.microsoft.com/office/drawing/2017/decorative" val="1"/>
+              </a:ext>
+            </a:extLst>
+          </p:cNvPr>
+          <p:cNvSpPr>
+            <a:spLocks noGrp="1" noRot="1" noChangeAspect="1" noMove="1" noResize="1" noEditPoints="1" noAdjustHandles="1" noChangeArrowheads="1" noChangeShapeType="1" noTextEdit="1"/>
+          </p:cNvSpPr>
+          <p:nvPr>
+            <p:extLst>
+              <p:ext uri="{386F3935-93C4-4BCD-93E2-E3B085C9AB24}">
+                <p16:designElem xmlns:p16="http://schemas.microsoft.com/office/powerpoint/2015/main" val="1"/>
+              </p:ext>
+            </p:extLst>
+          </p:nvPr>
+        </p:nvSpPr>
+        <p:spPr>
+          <a:xfrm>
+            <a:off x="0" y="0"/>
+            <a:ext cx="12192000" cy="6858000"/>
+          </a:xfrm>
+          <a:prstGeom prst="rect">
+            <a:avLst/>
+          </a:prstGeom>
+          <a:ln w="12700" cap="flat" cmpd="sng" algn="ctr">
+            <a:noFill/>
+            <a:prstDash val="solid"/>
+            <a:miter lim="800000"/>
+          </a:ln>
+          <a:effectLst/>
+          <a:extLst>
+            <a:ext uri="{91240B29-F687-4F45-9708-019B960494DF}">
+              <a14:hiddenLine xmlns:a14="http://schemas.microsoft.com/office/drawing/2010/main" w="12700" cap="flat" cmpd="sng" algn="ctr">
+                <a:solidFill>
+                  <a:schemeClr val="accent1">
+                    <a:shade val="50000"/>
+                  </a:schemeClr>
+                </a:solidFill>
+                <a:prstDash val="solid"/>
+                <a:miter lim="800000"/>
+              </a14:hiddenLine>
+            </a:ext>
+          </a:extLst>
+        </p:spPr>
+        <p:style>
+          <a:lnRef idx="2">
+            <a:schemeClr val="accent1">
+              <a:shade val="50000"/>
+            </a:schemeClr>
+          </a:lnRef>
+          <a:fillRef idx="1">
+            <a:schemeClr val="accent1"/>
+          </a:fillRef>
+          <a:effectRef idx="0">
+            <a:schemeClr val="accent1"/>
+          </a:effectRef>
+          <a:fontRef idx="minor">
+            <a:schemeClr val="lt1"/>
+          </a:fontRef>
+        </p:style>
+        <p:txBody>
+          <a:bodyPr rtlCol="0" anchor="ctr"/>
+          <a:lstStyle/>
+          <a:p>
+            <a:pPr algn="ctr"/>
+            <a:endParaRPr lang="en-US"/>
+          </a:p>
+        </p:txBody>
+      </p:sp>
       <p:sp>
         <p:nvSpPr>
+          <p:cNvPr id="14" name="Rectangle 13">
+            <a:extLst>
+              <a:ext uri="{FF2B5EF4-FFF2-40B4-BE49-F238E27FC236}">
+                <a16:creationId xmlns:a16="http://schemas.microsoft.com/office/drawing/2014/main" id="{53CF6D67-C5A8-4ADD-9E8E-1E38CA1D3166}"/>
+              </a:ext>
+              <a:ext uri="{C183D7F6-B498-43B3-948B-1728B52AA6E4}">
+                <adec:decorative xmlns:adec="http://schemas.microsoft.com/office/drawing/2017/decorative" val="1"/>
+              </a:ext>
+            </a:extLst>
+          </p:cNvPr>
+          <p:cNvSpPr>
+            <a:spLocks noGrp="1" noRot="1" noChangeAspect="1" noMove="1" noResize="1" noEditPoints="1" noAdjustHandles="1" noChangeArrowheads="1" noChangeShapeType="1" noTextEdit="1"/>
+          </p:cNvSpPr>
+          <p:nvPr>
+            <p:extLst>
+              <p:ext uri="{386F3935-93C4-4BCD-93E2-E3B085C9AB24}">
+                <p16:designElem xmlns:p16="http://schemas.microsoft.com/office/powerpoint/2015/main" val="1"/>
+              </p:ext>
+            </p:extLst>
+          </p:nvPr>
+        </p:nvSpPr>
+        <p:spPr>
+          <a:xfrm rot="5400000" flipH="1">
+            <a:off x="-638515" y="639280"/>
+            <a:ext cx="6858000" cy="5579440"/>
+          </a:xfrm>
+          <a:prstGeom prst="rect">
+            <a:avLst/>
+          </a:prstGeom>
+          <a:gradFill>
+            <a:gsLst>
+              <a:gs pos="8000">
+                <a:srgbClr val="000000"/>
+              </a:gs>
+              <a:gs pos="100000">
+                <a:schemeClr val="accent1">
+                  <a:lumMod val="75000"/>
+                </a:schemeClr>
+              </a:gs>
+            </a:gsLst>
+            <a:lin ang="3000000" scaled="0"/>
+          </a:gradFill>
+          <a:ln>
+            <a:noFill/>
+          </a:ln>
+        </p:spPr>
+        <p:style>
+          <a:lnRef idx="2">
+            <a:schemeClr val="accent1">
+              <a:shade val="50000"/>
+            </a:schemeClr>
+          </a:lnRef>
+          <a:fillRef idx="1">
+            <a:schemeClr val="accent1"/>
+          </a:fillRef>
+          <a:effectRef idx="0">
+            <a:schemeClr val="accent1"/>
+          </a:effectRef>
+          <a:fontRef idx="minor">
+            <a:schemeClr val="lt1"/>
+          </a:fontRef>
+        </p:style>
+        <p:txBody>
+          <a:bodyPr rtlCol="0" anchor="ctr"/>
+          <a:lstStyle/>
+          <a:p>
+            <a:pPr algn="ctr"/>
+            <a:endParaRPr lang="en-US"/>
+          </a:p>
+        </p:txBody>
+      </p:sp>
+      <p:sp>
+        <p:nvSpPr>
+          <p:cNvPr id="16" name="Rectangle 15">
+            <a:extLst>
+              <a:ext uri="{FF2B5EF4-FFF2-40B4-BE49-F238E27FC236}">
+                <a16:creationId xmlns:a16="http://schemas.microsoft.com/office/drawing/2014/main" id="{86909FA0-B515-4681-B7A8-FA281D133B94}"/>
+              </a:ext>
+              <a:ext uri="{C183D7F6-B498-43B3-948B-1728B52AA6E4}">
+                <adec:decorative xmlns:adec="http://schemas.microsoft.com/office/drawing/2017/decorative" val="1"/>
+              </a:ext>
+            </a:extLst>
+          </p:cNvPr>
+          <p:cNvSpPr>
+            <a:spLocks noGrp="1" noRot="1" noChangeAspect="1" noMove="1" noResize="1" noEditPoints="1" noAdjustHandles="1" noChangeArrowheads="1" noChangeShapeType="1" noTextEdit="1"/>
+          </p:cNvSpPr>
+          <p:nvPr>
+            <p:extLst>
+              <p:ext uri="{386F3935-93C4-4BCD-93E2-E3B085C9AB24}">
+                <p16:designElem xmlns:p16="http://schemas.microsoft.com/office/powerpoint/2015/main" val="1"/>
+              </p:ext>
+            </p:extLst>
+          </p:nvPr>
+        </p:nvSpPr>
+        <p:spPr>
+          <a:xfrm rot="5400000" flipH="1">
+            <a:off x="-393206" y="395206"/>
+            <a:ext cx="6346209" cy="5576080"/>
+          </a:xfrm>
+          <a:prstGeom prst="rect">
+            <a:avLst/>
+          </a:prstGeom>
+          <a:gradFill>
+            <a:gsLst>
+              <a:gs pos="0">
+                <a:srgbClr val="000000">
+                  <a:alpha val="0"/>
+                </a:srgbClr>
+              </a:gs>
+              <a:gs pos="99000">
+                <a:schemeClr val="accent1">
+                  <a:alpha val="0"/>
+                </a:schemeClr>
+              </a:gs>
+            </a:gsLst>
+            <a:lin ang="1800000" scaled="0"/>
+          </a:gradFill>
+          <a:ln>
+            <a:noFill/>
+          </a:ln>
+        </p:spPr>
+        <p:style>
+          <a:lnRef idx="2">
+            <a:schemeClr val="accent1">
+              <a:shade val="50000"/>
+            </a:schemeClr>
+          </a:lnRef>
+          <a:fillRef idx="1">
+            <a:schemeClr val="accent1"/>
+          </a:fillRef>
+          <a:effectRef idx="0">
+            <a:schemeClr val="accent1"/>
+          </a:effectRef>
+          <a:fontRef idx="minor">
+            <a:schemeClr val="lt1"/>
+          </a:fontRef>
+        </p:style>
+        <p:txBody>
+          <a:bodyPr rtlCol="0" anchor="ctr"/>
+          <a:lstStyle/>
+          <a:p>
+            <a:pPr algn="ctr"/>
+            <a:endParaRPr lang="en-US"/>
+          </a:p>
+        </p:txBody>
+      </p:sp>
+      <p:sp>
+        <p:nvSpPr>
+          <p:cNvPr id="18" name="Rectangle 17">
+            <a:extLst>
+              <a:ext uri="{FF2B5EF4-FFF2-40B4-BE49-F238E27FC236}">
+                <a16:creationId xmlns:a16="http://schemas.microsoft.com/office/drawing/2014/main" id="{21C9FE86-FCC3-4A31-AA1C-C882262B7FE7}"/>
+              </a:ext>
+              <a:ext uri="{C183D7F6-B498-43B3-948B-1728B52AA6E4}">
+                <adec:decorative xmlns:adec="http://schemas.microsoft.com/office/drawing/2017/decorative" val="1"/>
+              </a:ext>
+            </a:extLst>
+          </p:cNvPr>
+          <p:cNvSpPr>
+            <a:spLocks noGrp="1" noRot="1" noChangeAspect="1" noMove="1" noResize="1" noEditPoints="1" noAdjustHandles="1" noChangeArrowheads="1" noChangeShapeType="1" noTextEdit="1"/>
+          </p:cNvSpPr>
+          <p:nvPr>
+            <p:extLst>
+              <p:ext uri="{386F3935-93C4-4BCD-93E2-E3B085C9AB24}">
+                <p16:designElem xmlns:p16="http://schemas.microsoft.com/office/powerpoint/2015/main" val="1"/>
+              </p:ext>
+            </p:extLst>
+          </p:nvPr>
+        </p:nvSpPr>
+        <p:spPr>
+          <a:xfrm rot="5400000" flipH="1">
+            <a:off x="1528907" y="2818967"/>
+            <a:ext cx="2501979" cy="5576080"/>
+          </a:xfrm>
+          <a:prstGeom prst="rect">
+            <a:avLst/>
+          </a:prstGeom>
+          <a:gradFill>
+            <a:gsLst>
+              <a:gs pos="2000">
+                <a:schemeClr val="accent1">
+                  <a:alpha val="29000"/>
+                </a:schemeClr>
+              </a:gs>
+              <a:gs pos="100000">
+                <a:srgbClr val="000000">
+                  <a:alpha val="30000"/>
+                </a:srgbClr>
+              </a:gs>
+            </a:gsLst>
+            <a:lin ang="7800000" scaled="0"/>
+          </a:gradFill>
+          <a:ln>
+            <a:noFill/>
+          </a:ln>
+        </p:spPr>
+        <p:style>
+          <a:lnRef idx="2">
+            <a:schemeClr val="accent1">
+              <a:shade val="50000"/>
+            </a:schemeClr>
+          </a:lnRef>
+          <a:fillRef idx="1">
+            <a:schemeClr val="accent1"/>
+          </a:fillRef>
+          <a:effectRef idx="0">
+            <a:schemeClr val="accent1"/>
+          </a:effectRef>
+          <a:fontRef idx="minor">
+            <a:schemeClr val="lt1"/>
+          </a:fontRef>
+        </p:style>
+        <p:txBody>
+          <a:bodyPr rtlCol="0" anchor="ctr"/>
+          <a:lstStyle/>
+          <a:p>
+            <a:pPr algn="ctr"/>
+            <a:endParaRPr lang="en-US" dirty="0"/>
+          </a:p>
+        </p:txBody>
+      </p:sp>
+      <p:sp>
+        <p:nvSpPr>
+          <p:cNvPr id="20" name="Rectangle 19">
+            <a:extLst>
+              <a:ext uri="{FF2B5EF4-FFF2-40B4-BE49-F238E27FC236}">
+                <a16:creationId xmlns:a16="http://schemas.microsoft.com/office/drawing/2014/main" id="{7D96243B-ECED-4B71-8E06-AE9A285EAD20}"/>
+              </a:ext>
+              <a:ext uri="{C183D7F6-B498-43B3-948B-1728B52AA6E4}">
+                <adec:decorative xmlns:adec="http://schemas.microsoft.com/office/drawing/2017/decorative" val="1"/>
+              </a:ext>
+            </a:extLst>
+          </p:cNvPr>
+          <p:cNvSpPr>
+            <a:spLocks noGrp="1" noRot="1" noChangeAspect="1" noMove="1" noResize="1" noEditPoints="1" noAdjustHandles="1" noChangeArrowheads="1" noChangeShapeType="1" noTextEdit="1"/>
+          </p:cNvSpPr>
+          <p:nvPr>
+            <p:extLst>
+              <p:ext uri="{386F3935-93C4-4BCD-93E2-E3B085C9AB24}">
+                <p16:designElem xmlns:p16="http://schemas.microsoft.com/office/powerpoint/2015/main" val="1"/>
+              </p:ext>
+            </p:extLst>
+          </p:nvPr>
+        </p:nvSpPr>
+        <p:spPr>
+          <a:xfrm rot="5400000" flipH="1">
+            <a:off x="-425002" y="852793"/>
+            <a:ext cx="6858001" cy="5152412"/>
+          </a:xfrm>
+          <a:prstGeom prst="rect">
+            <a:avLst/>
+          </a:prstGeom>
+          <a:gradFill>
+            <a:gsLst>
+              <a:gs pos="0">
+                <a:srgbClr val="000000">
+                  <a:alpha val="0"/>
+                </a:srgbClr>
+              </a:gs>
+              <a:gs pos="99000">
+                <a:schemeClr val="accent1">
+                  <a:alpha val="11000"/>
+                </a:schemeClr>
+              </a:gs>
+            </a:gsLst>
+            <a:lin ang="7800000" scaled="0"/>
+          </a:gradFill>
+          <a:ln>
+            <a:noFill/>
+          </a:ln>
+        </p:spPr>
+        <p:style>
+          <a:lnRef idx="2">
+            <a:schemeClr val="accent1">
+              <a:shade val="50000"/>
+            </a:schemeClr>
+          </a:lnRef>
+          <a:fillRef idx="1">
+            <a:schemeClr val="accent1"/>
+          </a:fillRef>
+          <a:effectRef idx="0">
+            <a:schemeClr val="accent1"/>
+          </a:effectRef>
+          <a:fontRef idx="minor">
+            <a:schemeClr val="lt1"/>
+          </a:fontRef>
+        </p:style>
+        <p:txBody>
+          <a:bodyPr rtlCol="0" anchor="ctr"/>
+          <a:lstStyle/>
+          <a:p>
+            <a:pPr algn="ctr"/>
+            <a:endParaRPr lang="en-US"/>
+          </a:p>
+        </p:txBody>
+      </p:sp>
+      <p:sp>
+        <p:nvSpPr>
+          <p:cNvPr id="22" name="Oval 21">
+            <a:extLst>
+              <a:ext uri="{FF2B5EF4-FFF2-40B4-BE49-F238E27FC236}">
+                <a16:creationId xmlns:a16="http://schemas.microsoft.com/office/drawing/2014/main" id="{A09989E4-EFDC-4A90-A633-E0525FB4139E}"/>
+              </a:ext>
+              <a:ext uri="{C183D7F6-B498-43B3-948B-1728B52AA6E4}">
+                <adec:decorative xmlns:adec="http://schemas.microsoft.com/office/drawing/2017/decorative" val="1"/>
+              </a:ext>
+            </a:extLst>
+          </p:cNvPr>
+          <p:cNvSpPr>
+            <a:spLocks noGrp="1" noRot="1" noChangeAspect="1" noMove="1" noResize="1" noEditPoints="1" noAdjustHandles="1" noChangeArrowheads="1" noChangeShapeType="1" noTextEdit="1"/>
+          </p:cNvSpPr>
+          <p:nvPr>
+            <p:extLst>
+              <p:ext uri="{386F3935-93C4-4BCD-93E2-E3B085C9AB24}">
+                <p16:designElem xmlns:p16="http://schemas.microsoft.com/office/powerpoint/2015/main" val="1"/>
+              </p:ext>
+            </p:extLst>
+          </p:nvPr>
+        </p:nvSpPr>
+        <p:spPr>
+          <a:xfrm rot="6097846">
+            <a:off x="818753" y="1128497"/>
+            <a:ext cx="4318303" cy="4318303"/>
+          </a:xfrm>
+          <a:prstGeom prst="ellipse">
+            <a:avLst/>
+          </a:prstGeom>
+          <a:gradFill>
+            <a:gsLst>
+              <a:gs pos="39000">
+                <a:schemeClr val="accent1">
+                  <a:alpha val="0"/>
+                </a:schemeClr>
+              </a:gs>
+              <a:gs pos="100000">
+                <a:schemeClr val="accent1">
+                  <a:lumMod val="60000"/>
+                  <a:lumOff val="40000"/>
+                  <a:alpha val="15000"/>
+                </a:schemeClr>
+              </a:gs>
+            </a:gsLst>
+            <a:lin ang="17400000" scaled="0"/>
+          </a:gradFill>
+          <a:ln>
+            <a:noFill/>
+          </a:ln>
+        </p:spPr>
+        <p:style>
+          <a:lnRef idx="2">
+            <a:schemeClr val="accent1">
+              <a:shade val="50000"/>
+            </a:schemeClr>
+          </a:lnRef>
+          <a:fillRef idx="1">
+            <a:schemeClr val="accent1"/>
+          </a:fillRef>
+          <a:effectRef idx="0">
+            <a:schemeClr val="accent1"/>
+          </a:effectRef>
+          <a:fontRef idx="minor">
+            <a:schemeClr val="lt1"/>
+          </a:fontRef>
+        </p:style>
+        <p:txBody>
+          <a:bodyPr rtlCol="0" anchor="ctr"/>
+          <a:lstStyle/>
+          <a:p>
+            <a:pPr algn="ctr"/>
+            <a:endParaRPr lang="en-US" dirty="0"/>
+          </a:p>
+        </p:txBody>
+      </p:sp>
+      <p:sp>
+        <p:nvSpPr>
           <p:cNvPr id="2" name="Nadpis 1">
             <a:extLst>
               <a:ext uri="{FF2B5EF4-FFF2-40B4-BE49-F238E27FC236}">
@@ -8573,14 +9032,26 @@
             <p:ph type="title"/>
           </p:nvPr>
         </p:nvSpPr>
-        <p:spPr/>
-        <p:txBody>
-          <a:bodyPr/>
+        <p:spPr>
+          <a:xfrm>
+            <a:off x="539015" y="586855"/>
+            <a:ext cx="4517481" cy="3387497"/>
+          </a:xfrm>
+        </p:spPr>
+        <p:txBody>
+          <a:bodyPr anchor="b">
+            <a:normAutofit/>
+          </a:bodyPr>
           <a:lstStyle/>
           <a:p>
+            <a:pPr algn="r"/>
             <a:r>
-              <a:rPr lang="cs-CZ" dirty="0"/>
-              <a:t>PCB v2 – Návrh prototypu krabičky</a:t>
+              <a:rPr lang="cs-CZ" sz="4000" dirty="0">
+                <a:solidFill>
+                  <a:srgbClr val="FFFFFF"/>
+                </a:solidFill>
+              </a:rPr>
+              <a:t>Cíle do konce dubna</a:t>
             </a:r>
           </a:p>
         </p:txBody>
@@ -8601,12 +9072,71 @@
             <p:ph idx="1"/>
           </p:nvPr>
         </p:nvSpPr>
-        <p:spPr/>
-        <p:txBody>
-          <a:bodyPr/>
+        <p:spPr>
+          <a:xfrm>
+            <a:off x="5769864" y="679499"/>
+            <a:ext cx="6208040" cy="5546047"/>
+          </a:xfrm>
+        </p:spPr>
+        <p:txBody>
+          <a:bodyPr anchor="ctr">
+            <a:normAutofit/>
+          </a:bodyPr>
           <a:lstStyle/>
           <a:p>
-            <a:endParaRPr lang="cs-CZ"/>
+            <a:pPr>
+              <a:spcAft>
+                <a:spcPts val="1000"/>
+              </a:spcAft>
+            </a:pPr>
+            <a:r>
+              <a:rPr lang="cs-CZ" sz="2000" dirty="0"/>
+              <a:t>Dokončit a vytvořit funkční PCB v2</a:t>
+            </a:r>
+          </a:p>
+          <a:p>
+            <a:pPr>
+              <a:spcAft>
+                <a:spcPts val="1000"/>
+              </a:spcAft>
+            </a:pPr>
+            <a:r>
+              <a:rPr lang="cs-CZ" sz="2000" dirty="0"/>
+              <a:t>Vyřešit zbytek programové části (alespoň pro PCB v2)</a:t>
+            </a:r>
+          </a:p>
+          <a:p>
+            <a:pPr>
+              <a:spcAft>
+                <a:spcPts val="1000"/>
+              </a:spcAft>
+            </a:pPr>
+            <a:r>
+              <a:rPr lang="cs-CZ" sz="2000" dirty="0"/>
+              <a:t>Vytisknout, či jinak vytvořit krabičku</a:t>
+            </a:r>
+          </a:p>
+          <a:p>
+            <a:pPr>
+              <a:spcAft>
+                <a:spcPts val="1000"/>
+              </a:spcAft>
+            </a:pPr>
+            <a:r>
+              <a:rPr lang="cs-CZ" sz="2000" dirty="0"/>
+              <a:t>Vyřešit pevnost u designu 90° ohybu</a:t>
+            </a:r>
+          </a:p>
+          <a:p>
+            <a:pPr>
+              <a:spcAft>
+                <a:spcPts val="1000"/>
+              </a:spcAft>
+            </a:pPr>
+            <a:r>
+              <a:rPr lang="cs-CZ" sz="2000" dirty="0"/>
+              <a:t>Zprovoznit zapojení na baterii a její dobíjení</a:t>
+            </a:r>
           </a:p>
         </p:txBody>
       </p:sp>
